--- a/contents/2018-12-19-吴叶芝/TypeScript系列分享(第四期).pptx
+++ b/contents/2018-12-19-吴叶芝/TypeScript系列分享(第四期).pptx
@@ -1875,7 +1875,9 @@
         </p:nvSpPr>
         <p:spPr/>
         <p:txBody>
-          <a:bodyPr/>
+          <a:bodyPr>
+            <a:normAutofit lnSpcReduction="20000"/>
+          </a:bodyPr>
           <a:p>
             <a:pPr marL="0" indent="0">
               <a:lnSpc>
@@ -1894,6 +1896,19 @@
             <a:endParaRPr lang="zh-CN" altLang="en-US" sz="2800"/>
           </a:p>
           <a:p>
+            <a:pPr marL="0" indent="0">
+              <a:lnSpc>
+                <a:spcPct val="150000"/>
+              </a:lnSpc>
+              <a:buNone/>
+            </a:pPr>
+            <a:r>
+              <a:rPr lang="zh-CN" altLang="en-US" sz="2800"/>
+              <a:t>    TypeScript中的声明会创建以下三种实体之一：</a:t>
+            </a:r>
+            <a:endParaRPr lang="zh-CN" altLang="en-US" sz="2800"/>
+          </a:p>
+          <a:p>
             <a:pPr>
               <a:lnSpc>
                 <a:spcPct val="150000"/>
@@ -1901,7 +1916,7 @@
             </a:pPr>
             <a:r>
               <a:rPr lang="zh-CN" altLang="en-US" sz="2800"/>
-              <a:t>函数的合并</a:t>
+              <a:t>命名空间</a:t>
             </a:r>
             <a:endParaRPr lang="zh-CN" altLang="en-US" sz="2800"/>
           </a:p>
@@ -1913,11 +1928,7 @@
             </a:pPr>
             <a:r>
               <a:rPr lang="zh-CN" altLang="en-US" sz="2800"/>
-              <a:t>接口</a:t>
-            </a:r>
-            <a:r>
-              <a:rPr lang="zh-CN" altLang="en-US" sz="2800"/>
-              <a:t>的合并</a:t>
+              <a:t>类型</a:t>
             </a:r>
             <a:endParaRPr lang="zh-CN" altLang="en-US" sz="2800"/>
           </a:p>
@@ -1929,11 +1940,7 @@
             </a:pPr>
             <a:r>
               <a:rPr lang="zh-CN" altLang="en-US" sz="2800"/>
-              <a:t>模块</a:t>
-            </a:r>
-            <a:r>
-              <a:rPr lang="zh-CN" altLang="en-US" sz="2800"/>
-              <a:t>的合并</a:t>
+              <a:t>值</a:t>
             </a:r>
             <a:endParaRPr lang="zh-CN" altLang="en-US" sz="2800"/>
           </a:p>
@@ -2019,13 +2026,53 @@
             <p:ph sz="quarter" idx="10"/>
           </p:nvPr>
         </p:nvSpPr>
-        <p:spPr/>
+        <p:spPr>
+          <a:xfrm>
+            <a:off x="464185" y="664210"/>
+            <a:ext cx="11233785" cy="5852795"/>
+          </a:xfrm>
+        </p:spPr>
         <p:txBody>
           <a:bodyPr/>
           <a:p>
+            <a:pPr marL="0" indent="0">
+              <a:buNone/>
+            </a:pPr>
+            <a:r>
+              <a:rPr lang="en-US" altLang="zh-CN" sz="2800"/>
+              <a:t>  </a:t>
+            </a:r>
+            <a:r>
+              <a:rPr sz="2800"/>
+              <a:t>声明合并的类型：</a:t>
+            </a:r>
+            <a:endParaRPr lang="zh-CN" altLang="en-US" sz="2800"/>
+          </a:p>
+          <a:p>
             <a:r>
               <a:rPr lang="zh-CN" altLang="en-US" sz="2800"/>
-              <a:t>不被允许的合并</a:t>
+              <a:t>合并接口</a:t>
+            </a:r>
+            <a:endParaRPr lang="zh-CN" altLang="en-US" sz="2800"/>
+          </a:p>
+          <a:p>
+            <a:r>
+              <a:rPr lang="zh-CN" altLang="en-US" sz="2800"/>
+              <a:t>合并命名空间</a:t>
+            </a:r>
+            <a:endParaRPr lang="zh-CN" altLang="en-US" sz="2800"/>
+          </a:p>
+          <a:p>
+            <a:r>
+              <a:rPr lang="zh-CN" altLang="en-US" sz="2800"/>
+              <a:t>命名空间与类和函数和枚举类型合并</a:t>
+            </a:r>
+            <a:endParaRPr lang="zh-CN" altLang="en-US" sz="2800"/>
+          </a:p>
+          <a:p>
+            <a:r>
+              <a:rPr lang="zh-CN" altLang="en-US" sz="2800"/>
+              <a:t>非法的合并</a:t>
             </a:r>
             <a:endParaRPr lang="zh-CN" altLang="en-US"/>
           </a:p>
